--- a/Presentations/P3-GAN-NLP.pptx
+++ b/Presentations/P3-GAN-NLP.pptx
@@ -5976,7 +5976,7 @@
         </p:spPr>
         <p:txBody>
           <a:bodyPr>
-            <a:normAutofit/>
+            <a:normAutofit fontScale="92500" lnSpcReduction="10000"/>
           </a:bodyPr>
           <a:lstStyle/>
           <a:p>
@@ -6046,6 +6046,51 @@
             <a:r>
               <a:rPr lang="en-US" b="1" dirty="0" smtClean="0"/>
               <a:t> (160041044)</a:t>
+            </a:r>
+          </a:p>
+          <a:p>
+            <a:pPr marL="514350" indent="-514350">
+              <a:buAutoNum type="romanLcParenR"/>
+            </a:pPr>
+            <a:r>
+              <a:rPr lang="en-US" b="1" dirty="0" err="1"/>
+              <a:t>Tani</a:t>
+            </a:r>
+            <a:r>
+              <a:rPr lang="en-US" b="1" dirty="0"/>
+              <a:t> </a:t>
+            </a:r>
+            <a:r>
+              <a:rPr lang="en-US" b="1" dirty="0" err="1"/>
+              <a:t>Barkat</a:t>
+            </a:r>
+            <a:r>
+              <a:rPr lang="en-US" b="1" dirty="0"/>
+              <a:t> </a:t>
+            </a:r>
+            <a:r>
+              <a:rPr lang="en-US" b="1" dirty="0" err="1"/>
+              <a:t>Shalanyuy</a:t>
+            </a:r>
+            <a:r>
+              <a:rPr lang="en-US" b="1"/>
+              <a:t> </a:t>
+            </a:r>
+            <a:r>
+              <a:rPr lang="en-US" b="1" smtClean="0"/>
+              <a:t>(</a:t>
+            </a:r>
+            <a:r>
+              <a:rPr lang="en-US" b="1"/>
+              <a:t> </a:t>
+            </a:r>
+            <a:r>
+              <a:rPr lang="en-US" b="1" smtClean="0"/>
+              <a:t>160041083 </a:t>
+            </a:r>
+            <a:r>
+              <a:rPr lang="en-US" b="1" dirty="0"/>
+              <a:t>)</a:t>
             </a:r>
             <a:endParaRPr lang="en-US" b="1" dirty="0"/>
           </a:p>
